--- a/slides_morning/2021_09_17_Welcome_FLUX_workshop.pptx
+++ b/slides_morning/2021_09_17_Welcome_FLUX_workshop.pptx
@@ -1582,10 +1582,6 @@
               <a:buSzPts val="1100"/>
               <a:buNone/>
             </a:pPr>
-            <a:r>
-              <a:rPr lang="en-GB" dirty="0"/>
-              <a:t>we should post URL and emails on zoom chat</a:t>
-            </a:r>
             <a:endParaRPr dirty="0"/>
           </a:p>
         </p:txBody>
@@ -1713,86 +1709,6 @@
               <a:buSzPts val="1100"/>
               <a:buNone/>
             </a:pPr>
-            <a:r>
-              <a:rPr lang="en-GB" dirty="0"/>
-              <a:t>first ever workshop on this topic</a:t>
-            </a:r>
-          </a:p>
-          <a:p>
-            <a:pPr marL="0" lvl="0" indent="0" algn="l" rtl="0">
-              <a:lnSpc>
-                <a:spcPct val="100000"/>
-              </a:lnSpc>
-              <a:spcBef>
-                <a:spcPts val="0"/>
-              </a:spcBef>
-              <a:spcAft>
-                <a:spcPts val="0"/>
-              </a:spcAft>
-              <a:buSzPts val="1100"/>
-              <a:buNone/>
-            </a:pPr>
-            <a:r>
-              <a:rPr lang="en-GB" dirty="0"/>
-              <a:t>first for us to organise – be patient, and we are keen on getting feedback on how to improve</a:t>
-            </a:r>
-          </a:p>
-          <a:p>
-            <a:pPr marL="0" lvl="0" indent="0" algn="l" rtl="0">
-              <a:lnSpc>
-                <a:spcPct val="100000"/>
-              </a:lnSpc>
-              <a:spcBef>
-                <a:spcPts val="0"/>
-              </a:spcBef>
-              <a:spcAft>
-                <a:spcPts val="0"/>
-              </a:spcAft>
-              <a:buSzPts val="1100"/>
-              <a:buNone/>
-            </a:pPr>
-            <a:r>
-              <a:rPr lang="en-GB" dirty="0"/>
-              <a:t>challenge: such a complex topic into one day (as opposed to 5 day courses on similar topics)</a:t>
-            </a:r>
-          </a:p>
-          <a:p>
-            <a:pPr marL="0" lvl="0" indent="0" algn="l" rtl="0">
-              <a:lnSpc>
-                <a:spcPct val="100000"/>
-              </a:lnSpc>
-              <a:spcBef>
-                <a:spcPts val="0"/>
-              </a:spcBef>
-              <a:spcAft>
-                <a:spcPts val="0"/>
-              </a:spcAft>
-              <a:buSzPts val="1100"/>
-              <a:buNone/>
-            </a:pPr>
-            <a:r>
-              <a:rPr lang="en-GB" dirty="0"/>
-              <a:t>morning session: introduction</a:t>
-            </a:r>
-          </a:p>
-          <a:p>
-            <a:pPr marL="0" lvl="0" indent="0" algn="l" rtl="0">
-              <a:lnSpc>
-                <a:spcPct val="100000"/>
-              </a:lnSpc>
-              <a:spcBef>
-                <a:spcPts val="0"/>
-              </a:spcBef>
-              <a:spcAft>
-                <a:spcPts val="0"/>
-              </a:spcAft>
-              <a:buSzPts val="1100"/>
-              <a:buNone/>
-            </a:pPr>
-            <a:r>
-              <a:rPr lang="en-GB" dirty="0"/>
-              <a:t>afternoon session: advanced topics in individual tutorials. more hands on, and specialised. you have received links for this – if not, let us know</a:t>
-            </a:r>
             <a:endParaRPr dirty="0"/>
           </a:p>
         </p:txBody>
@@ -2047,86 +1963,6 @@
               <a:buSzPts val="1100"/>
               <a:buNone/>
             </a:pPr>
-            <a:r>
-              <a:rPr lang="en-GB" dirty="0"/>
-              <a:t>first ever workshop on this topic</a:t>
-            </a:r>
-          </a:p>
-          <a:p>
-            <a:pPr marL="0" lvl="0" indent="0" algn="l" rtl="0">
-              <a:lnSpc>
-                <a:spcPct val="100000"/>
-              </a:lnSpc>
-              <a:spcBef>
-                <a:spcPts val="0"/>
-              </a:spcBef>
-              <a:spcAft>
-                <a:spcPts val="0"/>
-              </a:spcAft>
-              <a:buSzPts val="1100"/>
-              <a:buNone/>
-            </a:pPr>
-            <a:r>
-              <a:rPr lang="en-GB" dirty="0"/>
-              <a:t>first for us to organise – be patient, and we are keen on getting feedback on how to improve</a:t>
-            </a:r>
-          </a:p>
-          <a:p>
-            <a:pPr marL="0" lvl="0" indent="0" algn="l" rtl="0">
-              <a:lnSpc>
-                <a:spcPct val="100000"/>
-              </a:lnSpc>
-              <a:spcBef>
-                <a:spcPts val="0"/>
-              </a:spcBef>
-              <a:spcAft>
-                <a:spcPts val="0"/>
-              </a:spcAft>
-              <a:buSzPts val="1100"/>
-              <a:buNone/>
-            </a:pPr>
-            <a:r>
-              <a:rPr lang="en-GB" dirty="0"/>
-              <a:t>challenge: such a complex topic into one day (as opposed to 5 day courses on similar topics)</a:t>
-            </a:r>
-          </a:p>
-          <a:p>
-            <a:pPr marL="0" lvl="0" indent="0" algn="l" rtl="0">
-              <a:lnSpc>
-                <a:spcPct val="100000"/>
-              </a:lnSpc>
-              <a:spcBef>
-                <a:spcPts val="0"/>
-              </a:spcBef>
-              <a:spcAft>
-                <a:spcPts val="0"/>
-              </a:spcAft>
-              <a:buSzPts val="1100"/>
-              <a:buNone/>
-            </a:pPr>
-            <a:r>
-              <a:rPr lang="en-GB" dirty="0"/>
-              <a:t>morning session: introduction</a:t>
-            </a:r>
-          </a:p>
-          <a:p>
-            <a:pPr marL="0" lvl="0" indent="0" algn="l" rtl="0">
-              <a:lnSpc>
-                <a:spcPct val="100000"/>
-              </a:lnSpc>
-              <a:spcBef>
-                <a:spcPts val="0"/>
-              </a:spcBef>
-              <a:spcAft>
-                <a:spcPts val="0"/>
-              </a:spcAft>
-              <a:buSzPts val="1100"/>
-              <a:buNone/>
-            </a:pPr>
-            <a:r>
-              <a:rPr lang="en-GB" dirty="0"/>
-              <a:t>afternoon session: advanced topics in individual tutorials. more hands on, and specialised. you have received links for this – if not, let us know</a:t>
-            </a:r>
             <a:endParaRPr dirty="0"/>
           </a:p>
         </p:txBody>
@@ -2254,10 +2090,55 @@
               <a:buSzPts val="1100"/>
               <a:buNone/>
             </a:pPr>
+            <a:endParaRPr lang="en-GB" dirty="0"/>
+          </a:p>
+          <a:p>
+            <a:pPr marL="0" marR="0" lvl="0" indent="0" algn="l" defTabSz="914400" rtl="0" eaLnBrk="1" fontAlgn="auto" latinLnBrk="0" hangingPunct="1">
+              <a:lnSpc>
+                <a:spcPct val="100000"/>
+              </a:lnSpc>
+              <a:spcBef>
+                <a:spcPts val="0"/>
+              </a:spcBef>
+              <a:spcAft>
+                <a:spcPts val="0"/>
+              </a:spcAft>
+              <a:buClr>
+                <a:srgbClr val="000000"/>
+              </a:buClr>
+              <a:buSzPts val="1100"/>
+              <a:buFont typeface="Arial"/>
+              <a:buNone/>
+              <a:tabLst/>
+              <a:defRPr/>
+            </a:pPr>
             <a:r>
               <a:rPr lang="en-GB" dirty="0"/>
-              <a:t>we should post URL and emails on zoom chat</a:t>
+              <a:t>For pasting in chat: </a:t>
             </a:r>
+            <a:r>
+              <a:rPr lang="en-US" dirty="0">
+                <a:solidFill>
+                  <a:schemeClr val="bg1"/>
+                </a:solidFill>
+              </a:rPr>
+              <a:t>In session 1 and the panel session, we ask that you please stay muted and turn your cameras off once the presentations gets started to preserve bandwidth. Once we reach the discussion portion, please turn your cameras on. If you’d like to ask a question during the discussion, please use the “Raise Hand” feature under the Reactions button or type your question in the chat. Please change your name or direct message a moderator if you’d like to ask your question anonymously. Please make sure you’re sending your chat message to Everyone if you choose this option. The moderator will call on you and unmute you to ask your question or make your comment. Feel free to use the chat to discuss thoughts or questions as a group during the presentations! </a:t>
+            </a:r>
+          </a:p>
+          <a:p>
+            <a:pPr marL="0" lvl="0" indent="0" algn="l" rtl="0">
+              <a:lnSpc>
+                <a:spcPct val="100000"/>
+              </a:lnSpc>
+              <a:spcBef>
+                <a:spcPts val="0"/>
+              </a:spcBef>
+              <a:spcAft>
+                <a:spcPts val="0"/>
+              </a:spcAft>
+              <a:buSzPts val="1100"/>
+              <a:buNone/>
+            </a:pPr>
             <a:endParaRPr dirty="0"/>
           </a:p>
         </p:txBody>
@@ -17887,7 +17768,7 @@
         </p:nvSpPr>
         <p:spPr>
           <a:xfrm>
-            <a:off x="890040" y="1581337"/>
+            <a:off x="448426" y="1874734"/>
             <a:ext cx="4123574" cy="1815882"/>
           </a:xfrm>
           <a:prstGeom prst="rect">
@@ -17995,10 +17876,10 @@
       </p:sp>
       <p:sp>
         <p:nvSpPr>
-          <p:cNvPr id="2" name="TextBox 1">
+          <p:cNvPr id="13" name="TextBox 12">
             <a:extLst>
               <a:ext uri="{FF2B5EF4-FFF2-40B4-BE49-F238E27FC236}">
-                <a16:creationId xmlns:a16="http://schemas.microsoft.com/office/drawing/2014/main" id="{B148586D-5078-4198-8242-99EE0F37EB25}"/>
+                <a16:creationId xmlns:a16="http://schemas.microsoft.com/office/drawing/2014/main" id="{6CCE59F0-506B-41AD-B849-D6739D7CEDE0}"/>
               </a:ext>
             </a:extLst>
           </p:cNvPr>
@@ -18007,8 +17888,8 @@
         </p:nvSpPr>
         <p:spPr>
           <a:xfrm>
-            <a:off x="5070764" y="2514600"/>
-            <a:ext cx="2748395" cy="523220"/>
+            <a:off x="4572000" y="1764202"/>
+            <a:ext cx="4123574" cy="2246769"/>
           </a:xfrm>
           <a:prstGeom prst="rect">
             <a:avLst/>
@@ -18022,12 +17903,80 @@
           <a:lstStyle/>
           <a:p>
             <a:r>
+              <a:rPr lang="en-GB" b="1" dirty="0">
+                <a:solidFill>
+                  <a:schemeClr val="bg1"/>
+                </a:solidFill>
+              </a:rPr>
+              <a:t>Zoom procedures for session 1</a:t>
+            </a:r>
+          </a:p>
+          <a:p>
+            <a:pPr marL="285750" indent="-285750">
+              <a:buClr>
+                <a:schemeClr val="bg1"/>
+              </a:buClr>
+              <a:buFont typeface="Courier New" panose="02070309020205020404" pitchFamily="49" charset="0"/>
+              <a:buChar char="o"/>
+            </a:pPr>
+            <a:r>
               <a:rPr lang="en-GB" dirty="0">
-                <a:highlight>
-                  <a:srgbClr val="FFFF00"/>
-                </a:highlight>
+                <a:solidFill>
+                  <a:schemeClr val="bg1"/>
+                </a:solidFill>
               </a:rPr>
-              <a:t>ALI BITS ON ZOOM BEHAVIOUR?</a:t>
+              <a:t>please stay muted </a:t>
+            </a:r>
+          </a:p>
+          <a:p>
+            <a:pPr marL="285750" indent="-285750">
+              <a:buClr>
+                <a:schemeClr val="bg1"/>
+              </a:buClr>
+              <a:buFont typeface="Courier New" panose="02070309020205020404" pitchFamily="49" charset="0"/>
+              <a:buChar char="o"/>
+            </a:pPr>
+            <a:r>
+              <a:rPr lang="en-GB" dirty="0">
+                <a:solidFill>
+                  <a:schemeClr val="bg1"/>
+                </a:solidFill>
+              </a:rPr>
+              <a:t>if possible, please turn your cameras on during the Q&amp;As</a:t>
+            </a:r>
+          </a:p>
+          <a:p>
+            <a:pPr marL="285750" indent="-285750">
+              <a:buClr>
+                <a:schemeClr val="bg1"/>
+              </a:buClr>
+              <a:buFont typeface="Courier New" panose="02070309020205020404" pitchFamily="49" charset="0"/>
+              <a:buChar char="o"/>
+            </a:pPr>
+            <a:r>
+              <a:rPr lang="en-GB" dirty="0">
+                <a:solidFill>
+                  <a:schemeClr val="bg1"/>
+                </a:solidFill>
+              </a:rPr>
+              <a:t>use the “Raise Hand” feature under the Reactions button or type your question in the chat – a moderator will call on you or ask your question </a:t>
+            </a:r>
+          </a:p>
+          <a:p>
+            <a:pPr marL="285750" indent="-285750">
+              <a:buClr>
+                <a:schemeClr val="bg1"/>
+              </a:buClr>
+              <a:buFont typeface="Courier New" panose="02070309020205020404" pitchFamily="49" charset="0"/>
+              <a:buChar char="o"/>
+            </a:pPr>
+            <a:r>
+              <a:rPr lang="en-GB" dirty="0">
+                <a:solidFill>
+                  <a:schemeClr val="bg1"/>
+                </a:solidFill>
+              </a:rPr>
+              <a:t>feel free to use the chat to discuss thoughts or questions as a group during the presentations </a:t>
             </a:r>
           </a:p>
         </p:txBody>
@@ -18095,6 +18044,51 @@
                       </p:childTnLst>
                     </p:cTn>
                   </p:par>
+                  <p:par>
+                    <p:cTn id="7" fill="hold">
+                      <p:stCondLst>
+                        <p:cond delay="indefinite"/>
+                      </p:stCondLst>
+                      <p:childTnLst>
+                        <p:par>
+                          <p:cTn id="8" fill="hold">
+                            <p:stCondLst>
+                              <p:cond delay="0"/>
+                            </p:stCondLst>
+                            <p:childTnLst>
+                              <p:par>
+                                <p:cTn id="9" presetID="1" presetClass="entr" presetSubtype="0" fill="hold" grpId="0" nodeType="clickEffect">
+                                  <p:stCondLst>
+                                    <p:cond delay="0"/>
+                                  </p:stCondLst>
+                                  <p:childTnLst>
+                                    <p:set>
+                                      <p:cBhvr>
+                                        <p:cTn id="10" dur="1" fill="hold">
+                                          <p:stCondLst>
+                                            <p:cond delay="0"/>
+                                          </p:stCondLst>
+                                        </p:cTn>
+                                        <p:tgtEl>
+                                          <p:spTgt spid="13"/>
+                                        </p:tgtEl>
+                                        <p:attrNameLst>
+                                          <p:attrName>style.visibility</p:attrName>
+                                        </p:attrNameLst>
+                                      </p:cBhvr>
+                                      <p:to>
+                                        <p:strVal val="visible"/>
+                                      </p:to>
+                                    </p:set>
+                                  </p:childTnLst>
+                                </p:cTn>
+                              </p:par>
+                            </p:childTnLst>
+                          </p:cTn>
+                        </p:par>
+                      </p:childTnLst>
+                    </p:cTn>
+                  </p:par>
                 </p:childTnLst>
               </p:cTn>
               <p:prevCondLst>
@@ -18118,6 +18112,7 @@
     </p:tnLst>
     <p:bldLst>
       <p:bldP spid="12" grpId="0"/>
+      <p:bldP spid="13" grpId="0"/>
     </p:bldLst>
   </p:timing>
 </p:sld>
